--- a/Ubuntu & ROS 설치 (Remote PC).pptx
+++ b/Ubuntu & ROS 설치 (Remote PC).pptx
@@ -3548,7 +3548,7 @@
     <mc:Choice Requires="p14">
       <p:transition/>
     </mc:Choice>
-    <mc:Fallback xmlns:dsp="http://schemas.microsoft.com/office/drawing/2008/diagram" xmlns:dgm="http://schemas.openxmlformats.org/drawingml/2006/diagram" xmlns:c="http://schemas.openxmlformats.org/drawingml/2006/chart" xmlns="">
+    <mc:Fallback xmlns="" xmlns:c="http://schemas.openxmlformats.org/drawingml/2006/chart" xmlns:dgm="http://schemas.openxmlformats.org/drawingml/2006/diagram" xmlns:dsp="http://schemas.microsoft.com/office/drawing/2008/diagram">
       <p:transition/>
     </mc:Fallback>
   </mc:AlternateContent>
@@ -4322,7 +4322,7 @@
     <mc:Choice Requires="p14">
       <p:transition/>
     </mc:Choice>
-    <mc:Fallback xmlns:dsp="http://schemas.microsoft.com/office/drawing/2008/diagram" xmlns:dgm="http://schemas.openxmlformats.org/drawingml/2006/diagram" xmlns:c="http://schemas.openxmlformats.org/drawingml/2006/chart" xmlns="">
+    <mc:Fallback xmlns="" xmlns:c="http://schemas.openxmlformats.org/drawingml/2006/chart" xmlns:dgm="http://schemas.openxmlformats.org/drawingml/2006/diagram" xmlns:dsp="http://schemas.microsoft.com/office/drawing/2008/diagram">
       <p:transition/>
     </mc:Fallback>
   </mc:AlternateContent>
@@ -4727,7 +4727,7 @@
     <mc:Choice Requires="p14">
       <p:transition/>
     </mc:Choice>
-    <mc:Fallback xmlns:dsp="http://schemas.microsoft.com/office/drawing/2008/diagram" xmlns:dgm="http://schemas.openxmlformats.org/drawingml/2006/diagram" xmlns:c="http://schemas.openxmlformats.org/drawingml/2006/chart" xmlns="">
+    <mc:Fallback xmlns="" xmlns:c="http://schemas.openxmlformats.org/drawingml/2006/chart" xmlns:dgm="http://schemas.openxmlformats.org/drawingml/2006/diagram" xmlns:dsp="http://schemas.microsoft.com/office/drawing/2008/diagram">
       <p:transition/>
     </mc:Fallback>
   </mc:AlternateContent>
@@ -5334,7 +5334,7 @@
     <mc:Choice Requires="p14">
       <p:transition/>
     </mc:Choice>
-    <mc:Fallback xmlns:dsp="http://schemas.microsoft.com/office/drawing/2008/diagram" xmlns:dgm="http://schemas.openxmlformats.org/drawingml/2006/diagram" xmlns:c="http://schemas.openxmlformats.org/drawingml/2006/chart" xmlns="">
+    <mc:Fallback xmlns="" xmlns:c="http://schemas.openxmlformats.org/drawingml/2006/chart" xmlns:dgm="http://schemas.openxmlformats.org/drawingml/2006/diagram" xmlns:dsp="http://schemas.microsoft.com/office/drawing/2008/diagram">
       <p:transition/>
     </mc:Fallback>
   </mc:AlternateContent>
@@ -5639,7 +5639,7 @@
     <mc:Choice Requires="p14">
       <p:transition/>
     </mc:Choice>
-    <mc:Fallback xmlns:dsp="http://schemas.microsoft.com/office/drawing/2008/diagram" xmlns:dgm="http://schemas.openxmlformats.org/drawingml/2006/diagram" xmlns:c="http://schemas.openxmlformats.org/drawingml/2006/chart" xmlns="">
+    <mc:Fallback xmlns="" xmlns:c="http://schemas.openxmlformats.org/drawingml/2006/chart" xmlns:dgm="http://schemas.openxmlformats.org/drawingml/2006/diagram" xmlns:dsp="http://schemas.microsoft.com/office/drawing/2008/diagram">
       <p:transition/>
     </mc:Fallback>
   </mc:AlternateContent>
@@ -5873,7 +5873,7 @@
     <mc:Choice Requires="p14">
       <p:transition/>
     </mc:Choice>
-    <mc:Fallback xmlns:dsp="http://schemas.microsoft.com/office/drawing/2008/diagram" xmlns:dgm="http://schemas.openxmlformats.org/drawingml/2006/diagram" xmlns:c="http://schemas.openxmlformats.org/drawingml/2006/chart" xmlns="">
+    <mc:Fallback xmlns="" xmlns:c="http://schemas.openxmlformats.org/drawingml/2006/chart" xmlns:dgm="http://schemas.openxmlformats.org/drawingml/2006/diagram" xmlns:dsp="http://schemas.microsoft.com/office/drawing/2008/diagram">
       <p:transition/>
     </mc:Fallback>
   </mc:AlternateContent>
@@ -6314,6 +6314,520 @@
           </a:p>
         </p:txBody>
       </p:sp>
+      <p:grpSp>
+        <p:nvGrpSpPr>
+          <p:cNvPr id="17" name="그룹 16">
+            <a:extLst>
+              <a:ext uri="{FF2B5EF4-FFF2-40B4-BE49-F238E27FC236}">
+                <a16:creationId xmlns:a16="http://schemas.microsoft.com/office/drawing/2014/main" id="{01EB1DA8-1131-488A-AED0-E531FBCAF1E4}"/>
+              </a:ext>
+            </a:extLst>
+          </p:cNvPr>
+          <p:cNvGrpSpPr/>
+          <p:nvPr/>
+        </p:nvGrpSpPr>
+        <p:grpSpPr>
+          <a:xfrm>
+            <a:off x="994497" y="1915591"/>
+            <a:ext cx="10748513" cy="3462512"/>
+            <a:chOff x="994497" y="1915591"/>
+            <a:chExt cx="10748513" cy="3462512"/>
+          </a:xfrm>
+        </p:grpSpPr>
+        <p:pic>
+          <p:nvPicPr>
+            <p:cNvPr id="3" name="그림 2">
+              <a:extLst>
+                <a:ext uri="{FF2B5EF4-FFF2-40B4-BE49-F238E27FC236}">
+                  <a16:creationId xmlns:a16="http://schemas.microsoft.com/office/drawing/2014/main" id="{C3A228AF-05D4-4486-BC12-01EEA0EADDE5}"/>
+                </a:ext>
+              </a:extLst>
+            </p:cNvPr>
+            <p:cNvPicPr>
+              <a:picLocks noChangeAspect="1"/>
+            </p:cNvPicPr>
+            <p:nvPr/>
+          </p:nvPicPr>
+          <p:blipFill>
+            <a:blip r:embed="rId3">
+              <a:extLst>
+                <a:ext uri="{28A0092B-C50C-407E-A947-70E740481C1C}">
+                  <a14:useLocalDpi xmlns:a14="http://schemas.microsoft.com/office/drawing/2010/main" val="0"/>
+                </a:ext>
+              </a:extLst>
+            </a:blip>
+            <a:stretch>
+              <a:fillRect/>
+            </a:stretch>
+          </p:blipFill>
+          <p:spPr>
+            <a:xfrm>
+              <a:off x="1491956" y="2442175"/>
+              <a:ext cx="9753600" cy="600075"/>
+            </a:xfrm>
+            <a:prstGeom prst="rect">
+              <a:avLst/>
+            </a:prstGeom>
+          </p:spPr>
+        </p:pic>
+        <p:sp>
+          <p:nvSpPr>
+            <p:cNvPr id="4" name="TextBox 3">
+              <a:extLst>
+                <a:ext uri="{FF2B5EF4-FFF2-40B4-BE49-F238E27FC236}">
+                  <a16:creationId xmlns:a16="http://schemas.microsoft.com/office/drawing/2014/main" id="{C80CD09A-7E5F-4CFF-8ED5-BFD44BE98F60}"/>
+                </a:ext>
+              </a:extLst>
+            </p:cNvPr>
+            <p:cNvSpPr txBox="1"/>
+            <p:nvPr/>
+          </p:nvSpPr>
+          <p:spPr>
+            <a:xfrm>
+              <a:off x="1083275" y="1915591"/>
+              <a:ext cx="9397708" cy="369332"/>
+            </a:xfrm>
+            <a:prstGeom prst="rect">
+              <a:avLst/>
+            </a:prstGeom>
+            <a:noFill/>
+          </p:spPr>
+          <p:txBody>
+            <a:bodyPr wrap="square" rtlCol="0">
+              <a:spAutoFit/>
+            </a:bodyPr>
+            <a:lstStyle/>
+            <a:p>
+              <a:pPr marL="285750" indent="-285750">
+                <a:buFont typeface="Arial" panose="020B0604020202020204" pitchFamily="34" charset="0"/>
+                <a:buChar char="•"/>
+              </a:pPr>
+              <a:r>
+                <a:rPr lang="ko-KR" altLang="en-US" dirty="0">
+                  <a:solidFill>
+                    <a:schemeClr val="accent2"/>
+                  </a:solidFill>
+                  <a:latin typeface="바탕" panose="02030600000101010101" pitchFamily="18" charset="-127"/>
+                  <a:ea typeface="바탕" panose="02030600000101010101" pitchFamily="18" charset="-127"/>
+                </a:rPr>
+                <a:t>설치하면서 주의할 것</a:t>
+              </a:r>
+              <a:r>
+                <a:rPr lang="en-US" altLang="ko-KR" dirty="0">
+                  <a:solidFill>
+                    <a:schemeClr val="accent2"/>
+                  </a:solidFill>
+                  <a:latin typeface="바탕" panose="02030600000101010101" pitchFamily="18" charset="-127"/>
+                  <a:ea typeface="바탕" panose="02030600000101010101" pitchFamily="18" charset="-127"/>
+                </a:rPr>
+                <a:t>!</a:t>
+              </a:r>
+            </a:p>
+          </p:txBody>
+        </p:sp>
+        <p:sp>
+          <p:nvSpPr>
+            <p:cNvPr id="11" name="TextBox 10">
+              <a:extLst>
+                <a:ext uri="{FF2B5EF4-FFF2-40B4-BE49-F238E27FC236}">
+                  <a16:creationId xmlns:a16="http://schemas.microsoft.com/office/drawing/2014/main" id="{6B4D2B48-59B9-4668-9D74-CD58CF4156A7}"/>
+                </a:ext>
+              </a:extLst>
+            </p:cNvPr>
+            <p:cNvSpPr txBox="1"/>
+            <p:nvPr/>
+          </p:nvSpPr>
+          <p:spPr>
+            <a:xfrm>
+              <a:off x="2106901" y="3199502"/>
+              <a:ext cx="8523709" cy="369332"/>
+            </a:xfrm>
+            <a:prstGeom prst="rect">
+              <a:avLst/>
+            </a:prstGeom>
+            <a:noFill/>
+          </p:spPr>
+          <p:txBody>
+            <a:bodyPr wrap="square" rtlCol="0">
+              <a:spAutoFit/>
+            </a:bodyPr>
+            <a:lstStyle/>
+            <a:p>
+              <a:r>
+                <a:rPr lang="ko-KR" altLang="en-US" dirty="0">
+                  <a:solidFill>
+                    <a:schemeClr val="accent2"/>
+                  </a:solidFill>
+                  <a:latin typeface="바탕" panose="02030600000101010101" pitchFamily="18" charset="-127"/>
+                  <a:ea typeface="바탕" panose="02030600000101010101" pitchFamily="18" charset="-127"/>
+                </a:rPr>
+                <a:t>위의 코드 실행 후 반드시 </a:t>
+              </a:r>
+              <a:r>
+                <a:rPr lang="en-US" altLang="ko-KR" dirty="0">
+                  <a:solidFill>
+                    <a:schemeClr val="accent2"/>
+                  </a:solidFill>
+                  <a:latin typeface="바탕" panose="02030600000101010101" pitchFamily="18" charset="-127"/>
+                  <a:ea typeface="바탕" panose="02030600000101010101" pitchFamily="18" charset="-127"/>
+                </a:rPr>
+                <a:t>Terminal</a:t>
+              </a:r>
+              <a:r>
+                <a:rPr lang="ko-KR" altLang="en-US" dirty="0">
+                  <a:solidFill>
+                    <a:schemeClr val="accent2"/>
+                  </a:solidFill>
+                  <a:latin typeface="바탕" panose="02030600000101010101" pitchFamily="18" charset="-127"/>
+                  <a:ea typeface="바탕" panose="02030600000101010101" pitchFamily="18" charset="-127"/>
+                </a:rPr>
+                <a:t>에 </a:t>
+              </a:r>
+              <a:r>
+                <a:rPr lang="en-US" altLang="ko-KR" dirty="0">
+                  <a:solidFill>
+                    <a:schemeClr val="accent2"/>
+                  </a:solidFill>
+                  <a:latin typeface="바탕" panose="02030600000101010101" pitchFamily="18" charset="-127"/>
+                  <a:ea typeface="바탕" panose="02030600000101010101" pitchFamily="18" charset="-127"/>
+                </a:rPr>
+                <a:t>‘</a:t>
+              </a:r>
+              <a:r>
+                <a:rPr lang="en-US" altLang="ko-KR" b="1" u="sng" dirty="0">
+                  <a:solidFill>
+                    <a:schemeClr val="accent2"/>
+                  </a:solidFill>
+                  <a:latin typeface="바탕" panose="02030600000101010101" pitchFamily="18" charset="-127"/>
+                  <a:ea typeface="바탕" panose="02030600000101010101" pitchFamily="18" charset="-127"/>
+                </a:rPr>
+                <a:t>reboot</a:t>
+              </a:r>
+              <a:r>
+                <a:rPr lang="en-US" altLang="ko-KR" dirty="0">
+                  <a:solidFill>
+                    <a:schemeClr val="accent2"/>
+                  </a:solidFill>
+                  <a:latin typeface="바탕" panose="02030600000101010101" pitchFamily="18" charset="-127"/>
+                  <a:ea typeface="바탕" panose="02030600000101010101" pitchFamily="18" charset="-127"/>
+                </a:rPr>
+                <a:t>’</a:t>
+              </a:r>
+              <a:r>
+                <a:rPr lang="ko-KR" altLang="en-US" dirty="0">
+                  <a:solidFill>
+                    <a:schemeClr val="accent2"/>
+                  </a:solidFill>
+                  <a:latin typeface="바탕" panose="02030600000101010101" pitchFamily="18" charset="-127"/>
+                  <a:ea typeface="바탕" panose="02030600000101010101" pitchFamily="18" charset="-127"/>
+                </a:rPr>
+                <a:t>를 입력해 </a:t>
+              </a:r>
+              <a:r>
+                <a:rPr lang="en-US" altLang="ko-KR" dirty="0">
+                  <a:solidFill>
+                    <a:schemeClr val="accent2"/>
+                  </a:solidFill>
+                  <a:latin typeface="바탕" panose="02030600000101010101" pitchFamily="18" charset="-127"/>
+                  <a:ea typeface="바탕" panose="02030600000101010101" pitchFamily="18" charset="-127"/>
+                </a:rPr>
+                <a:t>Ubuntu </a:t>
+              </a:r>
+              <a:r>
+                <a:rPr lang="ko-KR" altLang="en-US" dirty="0">
+                  <a:solidFill>
+                    <a:schemeClr val="accent2"/>
+                  </a:solidFill>
+                  <a:latin typeface="바탕" panose="02030600000101010101" pitchFamily="18" charset="-127"/>
+                  <a:ea typeface="바탕" panose="02030600000101010101" pitchFamily="18" charset="-127"/>
+                </a:rPr>
+                <a:t>다시 실행하기</a:t>
+              </a:r>
+              <a:r>
+                <a:rPr lang="en-US" altLang="ko-KR" dirty="0">
+                  <a:solidFill>
+                    <a:schemeClr val="accent2"/>
+                  </a:solidFill>
+                  <a:latin typeface="바탕" panose="02030600000101010101" pitchFamily="18" charset="-127"/>
+                  <a:ea typeface="바탕" panose="02030600000101010101" pitchFamily="18" charset="-127"/>
+                </a:rPr>
+                <a:t>!</a:t>
+              </a:r>
+              <a:endParaRPr lang="ko-KR" altLang="en-US" dirty="0">
+                <a:solidFill>
+                  <a:schemeClr val="accent2"/>
+                </a:solidFill>
+                <a:latin typeface="바탕" panose="02030600000101010101" pitchFamily="18" charset="-127"/>
+                <a:ea typeface="바탕" panose="02030600000101010101" pitchFamily="18" charset="-127"/>
+              </a:endParaRPr>
+            </a:p>
+          </p:txBody>
+        </p:sp>
+        <p:pic>
+          <p:nvPicPr>
+            <p:cNvPr id="12" name="그림 11">
+              <a:extLst>
+                <a:ext uri="{FF2B5EF4-FFF2-40B4-BE49-F238E27FC236}">
+                  <a16:creationId xmlns:a16="http://schemas.microsoft.com/office/drawing/2014/main" id="{3E9BD8FB-FD3B-4272-A7EF-C95D72E77075}"/>
+                </a:ext>
+              </a:extLst>
+            </p:cNvPr>
+            <p:cNvPicPr>
+              <a:picLocks noChangeAspect="1"/>
+            </p:cNvPicPr>
+            <p:nvPr/>
+          </p:nvPicPr>
+          <p:blipFill>
+            <a:blip r:embed="rId4">
+              <a:extLst>
+                <a:ext uri="{28A0092B-C50C-407E-A947-70E740481C1C}">
+                  <a14:useLocalDpi xmlns:a14="http://schemas.microsoft.com/office/drawing/2010/main" val="0"/>
+                </a:ext>
+              </a:extLst>
+            </a:blip>
+            <a:stretch>
+              <a:fillRect/>
+            </a:stretch>
+          </p:blipFill>
+          <p:spPr>
+            <a:xfrm>
+              <a:off x="994497" y="4237140"/>
+              <a:ext cx="10748513" cy="1140963"/>
+            </a:xfrm>
+            <a:prstGeom prst="rect">
+              <a:avLst/>
+            </a:prstGeom>
+          </p:spPr>
+        </p:pic>
+        <p:sp>
+          <p:nvSpPr>
+            <p:cNvPr id="13" name="TextBox 12">
+              <a:extLst>
+                <a:ext uri="{FF2B5EF4-FFF2-40B4-BE49-F238E27FC236}">
+                  <a16:creationId xmlns:a16="http://schemas.microsoft.com/office/drawing/2014/main" id="{0B242633-778F-47FC-91AD-6C2849584B26}"/>
+                </a:ext>
+              </a:extLst>
+            </p:cNvPr>
+            <p:cNvSpPr txBox="1"/>
+            <p:nvPr/>
+          </p:nvSpPr>
+          <p:spPr>
+            <a:xfrm>
+              <a:off x="2106900" y="3718321"/>
+              <a:ext cx="8523709" cy="369332"/>
+            </a:xfrm>
+            <a:prstGeom prst="rect">
+              <a:avLst/>
+            </a:prstGeom>
+            <a:noFill/>
+          </p:spPr>
+          <p:txBody>
+            <a:bodyPr wrap="square" rtlCol="0">
+              <a:spAutoFit/>
+            </a:bodyPr>
+            <a:lstStyle/>
+            <a:p>
+              <a:r>
+                <a:rPr lang="en-US" altLang="ko-KR" dirty="0">
+                  <a:solidFill>
+                    <a:schemeClr val="accent2"/>
+                  </a:solidFill>
+                  <a:latin typeface="바탕" panose="02030600000101010101" pitchFamily="18" charset="-127"/>
+                  <a:ea typeface="바탕" panose="02030600000101010101" pitchFamily="18" charset="-127"/>
+                </a:rPr>
+                <a:t>Reboot</a:t>
+              </a:r>
+              <a:r>
+                <a:rPr lang="ko-KR" altLang="en-US" dirty="0">
+                  <a:solidFill>
+                    <a:schemeClr val="accent2"/>
+                  </a:solidFill>
+                  <a:latin typeface="바탕" panose="02030600000101010101" pitchFamily="18" charset="-127"/>
+                  <a:ea typeface="바탕" panose="02030600000101010101" pitchFamily="18" charset="-127"/>
+                </a:rPr>
+                <a:t>한 다음</a:t>
+              </a:r>
+              <a:r>
+                <a:rPr lang="en-US" altLang="ko-KR" dirty="0">
+                  <a:solidFill>
+                    <a:schemeClr val="accent2"/>
+                  </a:solidFill>
+                  <a:latin typeface="바탕" panose="02030600000101010101" pitchFamily="18" charset="-127"/>
+                  <a:ea typeface="바탕" panose="02030600000101010101" pitchFamily="18" charset="-127"/>
+                </a:rPr>
+                <a:t>, </a:t>
+              </a:r>
+              <a:r>
+                <a:rPr lang="ko-KR" altLang="en-US" dirty="0">
+                  <a:solidFill>
+                    <a:schemeClr val="accent2"/>
+                  </a:solidFill>
+                  <a:latin typeface="바탕" panose="02030600000101010101" pitchFamily="18" charset="-127"/>
+                  <a:ea typeface="바탕" panose="02030600000101010101" pitchFamily="18" charset="-127"/>
+                </a:rPr>
+                <a:t>아래의 코드 실행하기</a:t>
+              </a:r>
+              <a:r>
+                <a:rPr lang="en-US" altLang="ko-KR" dirty="0">
+                  <a:solidFill>
+                    <a:schemeClr val="accent2"/>
+                  </a:solidFill>
+                  <a:latin typeface="바탕" panose="02030600000101010101" pitchFamily="18" charset="-127"/>
+                  <a:ea typeface="바탕" panose="02030600000101010101" pitchFamily="18" charset="-127"/>
+                </a:rPr>
+                <a:t>.</a:t>
+              </a:r>
+              <a:endParaRPr lang="ko-KR" altLang="en-US" dirty="0">
+                <a:solidFill>
+                  <a:schemeClr val="accent2"/>
+                </a:solidFill>
+                <a:latin typeface="바탕" panose="02030600000101010101" pitchFamily="18" charset="-127"/>
+                <a:ea typeface="바탕" panose="02030600000101010101" pitchFamily="18" charset="-127"/>
+              </a:endParaRPr>
+            </a:p>
+          </p:txBody>
+        </p:sp>
+      </p:grpSp>
+      <p:sp>
+        <p:nvSpPr>
+          <p:cNvPr id="14" name="TextBox 13">
+            <a:extLst>
+              <a:ext uri="{FF2B5EF4-FFF2-40B4-BE49-F238E27FC236}">
+                <a16:creationId xmlns:a16="http://schemas.microsoft.com/office/drawing/2014/main" id="{58D26DED-0682-4BE7-85C4-9F45A7CF556E}"/>
+              </a:ext>
+            </a:extLst>
+          </p:cNvPr>
+          <p:cNvSpPr txBox="1"/>
+          <p:nvPr/>
+        </p:nvSpPr>
+        <p:spPr>
+          <a:xfrm>
+            <a:off x="1234624" y="5884692"/>
+            <a:ext cx="3734190" cy="646331"/>
+          </a:xfrm>
+          <a:prstGeom prst="rect">
+            <a:avLst/>
+          </a:prstGeom>
+          <a:noFill/>
+        </p:spPr>
+        <p:txBody>
+          <a:bodyPr wrap="square" rtlCol="0">
+            <a:spAutoFit/>
+          </a:bodyPr>
+          <a:lstStyle/>
+          <a:p>
+            <a:pPr marL="285750" indent="-285750">
+              <a:buFont typeface="Arial" panose="020B0604020202020204" pitchFamily="34" charset="0"/>
+              <a:buChar char="•"/>
+            </a:pPr>
+            <a:r>
+              <a:rPr lang="en-US" altLang="ko-KR" dirty="0">
+                <a:latin typeface="바탕" panose="02030600000101010101" pitchFamily="18" charset="-127"/>
+                <a:ea typeface="바탕" panose="02030600000101010101" pitchFamily="18" charset="-127"/>
+              </a:rPr>
+              <a:t>(</a:t>
+            </a:r>
+            <a:r>
+              <a:rPr lang="ko-KR" altLang="en-US" dirty="0">
+                <a:latin typeface="바탕" panose="02030600000101010101" pitchFamily="18" charset="-127"/>
+                <a:ea typeface="바탕" panose="02030600000101010101" pitchFamily="18" charset="-127"/>
+              </a:rPr>
+              <a:t>참고</a:t>
+            </a:r>
+            <a:r>
+              <a:rPr lang="en-US" altLang="ko-KR" dirty="0">
+                <a:latin typeface="바탕" panose="02030600000101010101" pitchFamily="18" charset="-127"/>
+                <a:ea typeface="바탕" panose="02030600000101010101" pitchFamily="18" charset="-127"/>
+              </a:rPr>
+              <a:t>) Repository(?) </a:t>
+            </a:r>
+            <a:r>
+              <a:rPr lang="ko-KR" altLang="en-US" dirty="0">
+                <a:latin typeface="바탕" panose="02030600000101010101" pitchFamily="18" charset="-127"/>
+                <a:ea typeface="바탕" panose="02030600000101010101" pitchFamily="18" charset="-127"/>
+              </a:rPr>
+              <a:t>나가기</a:t>
+            </a:r>
+            <a:endParaRPr lang="en-US" altLang="ko-KR" dirty="0">
+              <a:latin typeface="바탕" panose="02030600000101010101" pitchFamily="18" charset="-127"/>
+              <a:ea typeface="바탕" panose="02030600000101010101" pitchFamily="18" charset="-127"/>
+            </a:endParaRPr>
+          </a:p>
+          <a:p>
+            <a:r>
+              <a:rPr lang="en-US" altLang="ko-KR" dirty="0">
+                <a:latin typeface="바탕" panose="02030600000101010101" pitchFamily="18" charset="-127"/>
+                <a:ea typeface="바탕" panose="02030600000101010101" pitchFamily="18" charset="-127"/>
+              </a:rPr>
+              <a:t>    ‘</a:t>
+            </a:r>
+            <a:r>
+              <a:rPr lang="en-US" altLang="ko-KR" b="1" u="sng" dirty="0">
+                <a:latin typeface="바탕" panose="02030600000101010101" pitchFamily="18" charset="-127"/>
+                <a:ea typeface="바탕" panose="02030600000101010101" pitchFamily="18" charset="-127"/>
+              </a:rPr>
+              <a:t>cd</a:t>
+            </a:r>
+            <a:r>
+              <a:rPr lang="en-US" altLang="ko-KR" dirty="0">
+                <a:latin typeface="바탕" panose="02030600000101010101" pitchFamily="18" charset="-127"/>
+                <a:ea typeface="바탕" panose="02030600000101010101" pitchFamily="18" charset="-127"/>
+              </a:rPr>
+              <a:t>’</a:t>
+            </a:r>
+            <a:r>
+              <a:rPr lang="ko-KR" altLang="en-US" dirty="0">
+                <a:latin typeface="바탕" panose="02030600000101010101" pitchFamily="18" charset="-127"/>
+                <a:ea typeface="바탕" panose="02030600000101010101" pitchFamily="18" charset="-127"/>
+              </a:rPr>
+              <a:t> 입력 후 </a:t>
+            </a:r>
+            <a:r>
+              <a:rPr lang="en-US" altLang="ko-KR" dirty="0">
+                <a:latin typeface="바탕" panose="02030600000101010101" pitchFamily="18" charset="-127"/>
+                <a:ea typeface="바탕" panose="02030600000101010101" pitchFamily="18" charset="-127"/>
+              </a:rPr>
+              <a:t>enter</a:t>
+            </a:r>
+          </a:p>
+        </p:txBody>
+      </p:sp>
+      <p:pic>
+        <p:nvPicPr>
+          <p:cNvPr id="15" name="그림 14">
+            <a:extLst>
+              <a:ext uri="{FF2B5EF4-FFF2-40B4-BE49-F238E27FC236}">
+                <a16:creationId xmlns:a16="http://schemas.microsoft.com/office/drawing/2014/main" id="{84307B5E-699B-44A9-B493-674CD4B34BCB}"/>
+              </a:ext>
+            </a:extLst>
+          </p:cNvPr>
+          <p:cNvPicPr>
+            <a:picLocks noChangeAspect="1"/>
+          </p:cNvPicPr>
+          <p:nvPr/>
+        </p:nvPicPr>
+        <p:blipFill>
+          <a:blip r:embed="rId5">
+            <a:extLst>
+              <a:ext uri="{28A0092B-C50C-407E-A947-70E740481C1C}">
+                <a14:useLocalDpi xmlns:a14="http://schemas.microsoft.com/office/drawing/2010/main" val="0"/>
+              </a:ext>
+            </a:extLst>
+          </a:blip>
+          <a:stretch>
+            <a:fillRect/>
+          </a:stretch>
+        </p:blipFill>
+        <p:spPr>
+          <a:xfrm>
+            <a:off x="4815638" y="6057307"/>
+            <a:ext cx="2933700" cy="381000"/>
+          </a:xfrm>
+          <a:prstGeom prst="rect">
+            <a:avLst/>
+          </a:prstGeom>
+        </p:spPr>
+      </p:pic>
     </p:spTree>
     <p:extLst>
       <p:ext uri="{BB962C8B-B14F-4D97-AF65-F5344CB8AC3E}">
@@ -6328,7 +6842,7 @@
     <mc:Choice Requires="p14">
       <p:transition/>
     </mc:Choice>
-    <mc:Fallback xmlns:dsp="http://schemas.microsoft.com/office/drawing/2008/diagram" xmlns:dgm="http://schemas.openxmlformats.org/drawingml/2006/diagram" xmlns:c="http://schemas.openxmlformats.org/drawingml/2006/chart" xmlns="">
+    <mc:Fallback xmlns="" xmlns:c="http://schemas.openxmlformats.org/drawingml/2006/chart" xmlns:dgm="http://schemas.openxmlformats.org/drawingml/2006/diagram" xmlns:dsp="http://schemas.microsoft.com/office/drawing/2008/diagram">
       <p:transition/>
     </mc:Fallback>
   </mc:AlternateContent>
@@ -6820,7 +7334,7 @@
     <mc:Choice Requires="p14">
       <p:transition/>
     </mc:Choice>
-    <mc:Fallback xmlns:dsp="http://schemas.microsoft.com/office/drawing/2008/diagram" xmlns:dgm="http://schemas.openxmlformats.org/drawingml/2006/diagram" xmlns:c="http://schemas.openxmlformats.org/drawingml/2006/chart" xmlns="">
+    <mc:Fallback xmlns="" xmlns:c="http://schemas.openxmlformats.org/drawingml/2006/chart" xmlns:dgm="http://schemas.openxmlformats.org/drawingml/2006/diagram" xmlns:dsp="http://schemas.microsoft.com/office/drawing/2008/diagram">
       <p:transition/>
     </mc:Fallback>
   </mc:AlternateContent>

--- a/Ubuntu & ROS 설치 (Remote PC).pptx
+++ b/Ubuntu & ROS 설치 (Remote PC).pptx
@@ -12,7 +12,8 @@
     <p:sldId id="310" r:id="rId6"/>
     <p:sldId id="311" r:id="rId7"/>
     <p:sldId id="312" r:id="rId8"/>
-    <p:sldId id="313" r:id="rId9"/>
+    <p:sldId id="314" r:id="rId9"/>
+    <p:sldId id="313" r:id="rId10"/>
   </p:sldIdLst>
   <p:sldSz cx="12192000" cy="6858000"/>
   <p:notesSz cx="6858000" cy="9144000"/>
@@ -282,7 +283,7 @@
           <a:p>
             <a:fld id="{F7232416-3236-4BEC-9F65-32C6B7F68842}" type="datetimeFigureOut">
               <a:rPr lang="ko-KR" altLang="en-US" smtClean="0"/>
-              <a:t>2020-07-22</a:t>
+              <a:t>2020-07-27</a:t>
             </a:fld>
             <a:endParaRPr lang="ko-KR" altLang="en-US"/>
           </a:p>
@@ -480,7 +481,7 @@
           <a:p>
             <a:fld id="{F7232416-3236-4BEC-9F65-32C6B7F68842}" type="datetimeFigureOut">
               <a:rPr lang="ko-KR" altLang="en-US" smtClean="0"/>
-              <a:t>2020-07-22</a:t>
+              <a:t>2020-07-27</a:t>
             </a:fld>
             <a:endParaRPr lang="ko-KR" altLang="en-US"/>
           </a:p>
@@ -688,7 +689,7 @@
           <a:p>
             <a:fld id="{F7232416-3236-4BEC-9F65-32C6B7F68842}" type="datetimeFigureOut">
               <a:rPr lang="ko-KR" altLang="en-US" smtClean="0"/>
-              <a:t>2020-07-22</a:t>
+              <a:t>2020-07-27</a:t>
             </a:fld>
             <a:endParaRPr lang="ko-KR" altLang="en-US"/>
           </a:p>
@@ -886,7 +887,7 @@
           <a:p>
             <a:fld id="{F7232416-3236-4BEC-9F65-32C6B7F68842}" type="datetimeFigureOut">
               <a:rPr lang="ko-KR" altLang="en-US" smtClean="0"/>
-              <a:t>2020-07-22</a:t>
+              <a:t>2020-07-27</a:t>
             </a:fld>
             <a:endParaRPr lang="ko-KR" altLang="en-US"/>
           </a:p>
@@ -1161,7 +1162,7 @@
           <a:p>
             <a:fld id="{F7232416-3236-4BEC-9F65-32C6B7F68842}" type="datetimeFigureOut">
               <a:rPr lang="ko-KR" altLang="en-US" smtClean="0"/>
-              <a:t>2020-07-22</a:t>
+              <a:t>2020-07-27</a:t>
             </a:fld>
             <a:endParaRPr lang="ko-KR" altLang="en-US"/>
           </a:p>
@@ -1426,7 +1427,7 @@
           <a:p>
             <a:fld id="{F7232416-3236-4BEC-9F65-32C6B7F68842}" type="datetimeFigureOut">
               <a:rPr lang="ko-KR" altLang="en-US" smtClean="0"/>
-              <a:t>2020-07-22</a:t>
+              <a:t>2020-07-27</a:t>
             </a:fld>
             <a:endParaRPr lang="ko-KR" altLang="en-US"/>
           </a:p>
@@ -1838,7 +1839,7 @@
           <a:p>
             <a:fld id="{F7232416-3236-4BEC-9F65-32C6B7F68842}" type="datetimeFigureOut">
               <a:rPr lang="ko-KR" altLang="en-US" smtClean="0"/>
-              <a:t>2020-07-22</a:t>
+              <a:t>2020-07-27</a:t>
             </a:fld>
             <a:endParaRPr lang="ko-KR" altLang="en-US"/>
           </a:p>
@@ -1979,7 +1980,7 @@
           <a:p>
             <a:fld id="{F7232416-3236-4BEC-9F65-32C6B7F68842}" type="datetimeFigureOut">
               <a:rPr lang="ko-KR" altLang="en-US" smtClean="0"/>
-              <a:t>2020-07-22</a:t>
+              <a:t>2020-07-27</a:t>
             </a:fld>
             <a:endParaRPr lang="ko-KR" altLang="en-US"/>
           </a:p>
@@ -2092,7 +2093,7 @@
           <a:p>
             <a:fld id="{F7232416-3236-4BEC-9F65-32C6B7F68842}" type="datetimeFigureOut">
               <a:rPr lang="ko-KR" altLang="en-US" smtClean="0"/>
-              <a:t>2020-07-22</a:t>
+              <a:t>2020-07-27</a:t>
             </a:fld>
             <a:endParaRPr lang="ko-KR" altLang="en-US"/>
           </a:p>
@@ -2403,7 +2404,7 @@
           <a:p>
             <a:fld id="{F7232416-3236-4BEC-9F65-32C6B7F68842}" type="datetimeFigureOut">
               <a:rPr lang="ko-KR" altLang="en-US" smtClean="0"/>
-              <a:t>2020-07-22</a:t>
+              <a:t>2020-07-27</a:t>
             </a:fld>
             <a:endParaRPr lang="ko-KR" altLang="en-US"/>
           </a:p>
@@ -2691,7 +2692,7 @@
           <a:p>
             <a:fld id="{F7232416-3236-4BEC-9F65-32C6B7F68842}" type="datetimeFigureOut">
               <a:rPr lang="ko-KR" altLang="en-US" smtClean="0"/>
-              <a:t>2020-07-22</a:t>
+              <a:t>2020-07-27</a:t>
             </a:fld>
             <a:endParaRPr lang="ko-KR" altLang="en-US"/>
           </a:p>
@@ -2932,7 +2933,7 @@
           <a:p>
             <a:fld id="{F7232416-3236-4BEC-9F65-32C6B7F68842}" type="datetimeFigureOut">
               <a:rPr lang="ko-KR" altLang="en-US" smtClean="0"/>
-              <a:t>2020-07-22</a:t>
+              <a:t>2020-07-27</a:t>
             </a:fld>
             <a:endParaRPr lang="ko-KR" altLang="en-US"/>
           </a:p>
@@ -3548,7 +3549,7 @@
     <mc:Choice Requires="p14">
       <p:transition/>
     </mc:Choice>
-    <mc:Fallback xmlns="" xmlns:c="http://schemas.openxmlformats.org/drawingml/2006/chart" xmlns:dgm="http://schemas.openxmlformats.org/drawingml/2006/diagram" xmlns:dsp="http://schemas.microsoft.com/office/drawing/2008/diagram">
+    <mc:Fallback xmlns:dsp="http://schemas.microsoft.com/office/drawing/2008/diagram" xmlns:dgm="http://schemas.openxmlformats.org/drawingml/2006/diagram" xmlns:c="http://schemas.openxmlformats.org/drawingml/2006/chart" xmlns="">
       <p:transition/>
     </mc:Fallback>
   </mc:AlternateContent>
@@ -4322,7 +4323,7 @@
     <mc:Choice Requires="p14">
       <p:transition/>
     </mc:Choice>
-    <mc:Fallback xmlns="" xmlns:c="http://schemas.openxmlformats.org/drawingml/2006/chart" xmlns:dgm="http://schemas.openxmlformats.org/drawingml/2006/diagram" xmlns:dsp="http://schemas.microsoft.com/office/drawing/2008/diagram">
+    <mc:Fallback xmlns:dsp="http://schemas.microsoft.com/office/drawing/2008/diagram" xmlns:dgm="http://schemas.openxmlformats.org/drawingml/2006/diagram" xmlns:c="http://schemas.openxmlformats.org/drawingml/2006/chart" xmlns="">
       <p:transition/>
     </mc:Fallback>
   </mc:AlternateContent>
@@ -4727,7 +4728,7 @@
     <mc:Choice Requires="p14">
       <p:transition/>
     </mc:Choice>
-    <mc:Fallback xmlns="" xmlns:c="http://schemas.openxmlformats.org/drawingml/2006/chart" xmlns:dgm="http://schemas.openxmlformats.org/drawingml/2006/diagram" xmlns:dsp="http://schemas.microsoft.com/office/drawing/2008/diagram">
+    <mc:Fallback xmlns:dsp="http://schemas.microsoft.com/office/drawing/2008/diagram" xmlns:dgm="http://schemas.openxmlformats.org/drawingml/2006/diagram" xmlns:c="http://schemas.openxmlformats.org/drawingml/2006/chart" xmlns="">
       <p:transition/>
     </mc:Fallback>
   </mc:AlternateContent>
@@ -5334,7 +5335,7 @@
     <mc:Choice Requires="p14">
       <p:transition/>
     </mc:Choice>
-    <mc:Fallback xmlns="" xmlns:c="http://schemas.openxmlformats.org/drawingml/2006/chart" xmlns:dgm="http://schemas.openxmlformats.org/drawingml/2006/diagram" xmlns:dsp="http://schemas.microsoft.com/office/drawing/2008/diagram">
+    <mc:Fallback xmlns:dsp="http://schemas.microsoft.com/office/drawing/2008/diagram" xmlns:dgm="http://schemas.openxmlformats.org/drawingml/2006/diagram" xmlns:c="http://schemas.openxmlformats.org/drawingml/2006/chart" xmlns="">
       <p:transition/>
     </mc:Fallback>
   </mc:AlternateContent>
@@ -5639,7 +5640,7 @@
     <mc:Choice Requires="p14">
       <p:transition/>
     </mc:Choice>
-    <mc:Fallback xmlns="" xmlns:c="http://schemas.openxmlformats.org/drawingml/2006/chart" xmlns:dgm="http://schemas.openxmlformats.org/drawingml/2006/diagram" xmlns:dsp="http://schemas.microsoft.com/office/drawing/2008/diagram">
+    <mc:Fallback xmlns:dsp="http://schemas.microsoft.com/office/drawing/2008/diagram" xmlns:dgm="http://schemas.openxmlformats.org/drawingml/2006/diagram" xmlns:c="http://schemas.openxmlformats.org/drawingml/2006/chart" xmlns="">
       <p:transition/>
     </mc:Fallback>
   </mc:AlternateContent>
@@ -5873,7 +5874,7 @@
     <mc:Choice Requires="p14">
       <p:transition/>
     </mc:Choice>
-    <mc:Fallback xmlns="" xmlns:c="http://schemas.openxmlformats.org/drawingml/2006/chart" xmlns:dgm="http://schemas.openxmlformats.org/drawingml/2006/diagram" xmlns:dsp="http://schemas.microsoft.com/office/drawing/2008/diagram">
+    <mc:Fallback xmlns:dsp="http://schemas.microsoft.com/office/drawing/2008/diagram" xmlns:dgm="http://schemas.openxmlformats.org/drawingml/2006/diagram" xmlns:c="http://schemas.openxmlformats.org/drawingml/2006/chart" xmlns="">
       <p:transition/>
     </mc:Fallback>
   </mc:AlternateContent>
@@ -6842,7 +6843,7 @@
     <mc:Choice Requires="p14">
       <p:transition/>
     </mc:Choice>
-    <mc:Fallback xmlns="" xmlns:c="http://schemas.openxmlformats.org/drawingml/2006/chart" xmlns:dgm="http://schemas.openxmlformats.org/drawingml/2006/diagram" xmlns:dsp="http://schemas.microsoft.com/office/drawing/2008/diagram">
+    <mc:Fallback xmlns:dsp="http://schemas.microsoft.com/office/drawing/2008/diagram" xmlns:dgm="http://schemas.openxmlformats.org/drawingml/2006/diagram" xmlns:c="http://schemas.openxmlformats.org/drawingml/2006/chart" xmlns="">
       <p:transition/>
     </mc:Fallback>
   </mc:AlternateContent>
@@ -6850,6 +6851,1393 @@
 </file>
 
 <file path=ppt/slides/slide8.xml><?xml version="1.0" encoding="utf-8"?>
+<p:sld xmlns:a="http://schemas.openxmlformats.org/drawingml/2006/main" xmlns:r="http://schemas.openxmlformats.org/officeDocument/2006/relationships" xmlns:p="http://schemas.openxmlformats.org/presentationml/2006/main">
+  <p:cSld>
+    <p:spTree>
+      <p:nvGrpSpPr>
+        <p:cNvPr id="1" name=""/>
+        <p:cNvGrpSpPr/>
+        <p:nvPr/>
+      </p:nvGrpSpPr>
+      <p:grpSpPr>
+        <a:xfrm>
+          <a:off x="0" y="0"/>
+          <a:ext cx="0" cy="0"/>
+          <a:chOff x="0" y="0"/>
+          <a:chExt cx="0" cy="0"/>
+        </a:xfrm>
+      </p:grpSpPr>
+      <p:grpSp>
+        <p:nvGrpSpPr>
+          <p:cNvPr id="8" name="그룹 7">
+            <a:extLst>
+              <a:ext uri="{FF2B5EF4-FFF2-40B4-BE49-F238E27FC236}">
+                <a16:creationId xmlns:a16="http://schemas.microsoft.com/office/drawing/2014/main" id="{BFDED87F-AD15-45C7-A613-F8CA2AA81B4D}"/>
+              </a:ext>
+            </a:extLst>
+          </p:cNvPr>
+          <p:cNvGrpSpPr/>
+          <p:nvPr/>
+        </p:nvGrpSpPr>
+        <p:grpSpPr>
+          <a:xfrm>
+            <a:off x="271097" y="468883"/>
+            <a:ext cx="5467115" cy="631437"/>
+            <a:chOff x="607527" y="693172"/>
+            <a:chExt cx="5467115" cy="631437"/>
+          </a:xfrm>
+        </p:grpSpPr>
+        <p:sp>
+          <p:nvSpPr>
+            <p:cNvPr id="7" name="타원 6">
+              <a:extLst>
+                <a:ext uri="{FF2B5EF4-FFF2-40B4-BE49-F238E27FC236}">
+                  <a16:creationId xmlns:a16="http://schemas.microsoft.com/office/drawing/2014/main" id="{41EF9A13-4497-4413-9C8B-A05C16A36BA0}"/>
+                </a:ext>
+              </a:extLst>
+            </p:cNvPr>
+            <p:cNvSpPr/>
+            <p:nvPr/>
+          </p:nvSpPr>
+          <p:spPr>
+            <a:xfrm>
+              <a:off x="607527" y="693172"/>
+              <a:ext cx="631437" cy="631437"/>
+            </a:xfrm>
+            <a:prstGeom prst="ellipse">
+              <a:avLst/>
+            </a:prstGeom>
+            <a:ln>
+              <a:noFill/>
+            </a:ln>
+          </p:spPr>
+          <p:style>
+            <a:lnRef idx="2">
+              <a:schemeClr val="accent1">
+                <a:shade val="50000"/>
+              </a:schemeClr>
+            </a:lnRef>
+            <a:fillRef idx="1">
+              <a:schemeClr val="accent1"/>
+            </a:fillRef>
+            <a:effectRef idx="0">
+              <a:schemeClr val="accent1"/>
+            </a:effectRef>
+            <a:fontRef idx="minor">
+              <a:schemeClr val="lt1"/>
+            </a:fontRef>
+          </p:style>
+          <p:txBody>
+            <a:bodyPr anchor="ctr"/>
+            <a:lstStyle/>
+            <a:p>
+              <a:pPr algn="ctr">
+                <a:defRPr/>
+              </a:pPr>
+              <a:r>
+                <a:rPr lang="en-US" altLang="ko-KR" sz="1400" b="1" dirty="0">
+                  <a:ln w="9525">
+                    <a:solidFill>
+                      <a:schemeClr val="bg1">
+                        <a:alpha val="30000"/>
+                      </a:schemeClr>
+                    </a:solidFill>
+                  </a:ln>
+                  <a:latin typeface="바탕"/>
+                  <a:ea typeface="바탕"/>
+                </a:rPr>
+                <a:t>04</a:t>
+              </a:r>
+              <a:endParaRPr lang="ko-KR" altLang="en-US" sz="1400" b="1" dirty="0">
+                <a:ln w="9525">
+                  <a:solidFill>
+                    <a:schemeClr val="bg1">
+                      <a:alpha val="30000"/>
+                    </a:schemeClr>
+                  </a:solidFill>
+                </a:ln>
+                <a:latin typeface="바탕"/>
+                <a:ea typeface="바탕"/>
+              </a:endParaRPr>
+            </a:p>
+          </p:txBody>
+        </p:sp>
+        <p:sp>
+          <p:nvSpPr>
+            <p:cNvPr id="10" name="TextBox 9">
+              <a:extLst>
+                <a:ext uri="{FF2B5EF4-FFF2-40B4-BE49-F238E27FC236}">
+                  <a16:creationId xmlns:a16="http://schemas.microsoft.com/office/drawing/2014/main" id="{0997D379-0BFF-4493-BD68-EAAAB02EC2E3}"/>
+                </a:ext>
+              </a:extLst>
+            </p:cNvPr>
+            <p:cNvSpPr txBox="1"/>
+            <p:nvPr/>
+          </p:nvSpPr>
+          <p:spPr>
+            <a:xfrm>
+              <a:off x="1330927" y="803283"/>
+              <a:ext cx="4743715" cy="400110"/>
+            </a:xfrm>
+            <a:prstGeom prst="rect">
+              <a:avLst/>
+            </a:prstGeom>
+            <a:noFill/>
+          </p:spPr>
+          <p:txBody>
+            <a:bodyPr wrap="square">
+              <a:spAutoFit/>
+            </a:bodyPr>
+            <a:lstStyle/>
+            <a:p>
+              <a:pPr algn="ctr">
+                <a:defRPr/>
+              </a:pPr>
+              <a:r>
+                <a:rPr lang="en-US" altLang="ko-KR" sz="2000" b="1" dirty="0">
+                  <a:ln w="9525">
+                    <a:solidFill>
+                      <a:schemeClr val="accent1">
+                        <a:alpha val="30000"/>
+                      </a:schemeClr>
+                    </a:solidFill>
+                  </a:ln>
+                  <a:gradFill flip="none" rotWithShape="1">
+                    <a:gsLst>
+                      <a:gs pos="0">
+                        <a:schemeClr val="accent4"/>
+                      </a:gs>
+                      <a:gs pos="63000">
+                        <a:schemeClr val="accent1"/>
+                      </a:gs>
+                    </a:gsLst>
+                    <a:path path="circle">
+                      <a:fillToRect r="100000" b="100000"/>
+                    </a:path>
+                    <a:tileRect l="-100000" t="-100000"/>
+                  </a:gradFill>
+                  <a:latin typeface="바탕"/>
+                  <a:ea typeface="바탕"/>
+                </a:rPr>
+                <a:t>Ubuntu</a:t>
+              </a:r>
+              <a:r>
+                <a:rPr lang="ko-KR" altLang="en-US" sz="2000" b="1" dirty="0">
+                  <a:ln w="9525">
+                    <a:solidFill>
+                      <a:schemeClr val="accent1">
+                        <a:alpha val="30000"/>
+                      </a:schemeClr>
+                    </a:solidFill>
+                  </a:ln>
+                  <a:gradFill flip="none" rotWithShape="1">
+                    <a:gsLst>
+                      <a:gs pos="0">
+                        <a:schemeClr val="accent4"/>
+                      </a:gs>
+                      <a:gs pos="63000">
+                        <a:schemeClr val="accent1"/>
+                      </a:gs>
+                    </a:gsLst>
+                    <a:path path="circle">
+                      <a:fillToRect r="100000" b="100000"/>
+                    </a:path>
+                    <a:tileRect l="-100000" t="-100000"/>
+                  </a:gradFill>
+                  <a:latin typeface="바탕"/>
+                  <a:ea typeface="바탕"/>
+                </a:rPr>
+                <a:t>에서 </a:t>
+              </a:r>
+              <a:r>
+                <a:rPr lang="en-US" altLang="ko-KR" sz="2000" b="1" dirty="0" err="1">
+                  <a:ln w="9525">
+                    <a:solidFill>
+                      <a:schemeClr val="accent1">
+                        <a:alpha val="30000"/>
+                      </a:schemeClr>
+                    </a:solidFill>
+                  </a:ln>
+                  <a:gradFill flip="none" rotWithShape="1">
+                    <a:gsLst>
+                      <a:gs pos="0">
+                        <a:schemeClr val="accent4"/>
+                      </a:gs>
+                      <a:gs pos="63000">
+                        <a:schemeClr val="accent1"/>
+                      </a:gs>
+                    </a:gsLst>
+                    <a:path path="circle">
+                      <a:fillToRect r="100000" b="100000"/>
+                    </a:path>
+                    <a:tileRect l="-100000" t="-100000"/>
+                  </a:gradFill>
+                  <a:latin typeface="바탕"/>
+                  <a:ea typeface="바탕"/>
+                </a:rPr>
+                <a:t>WiFi</a:t>
+              </a:r>
+              <a:r>
+                <a:rPr lang="ko-KR" altLang="en-US" sz="2000" b="1" dirty="0">
+                  <a:ln w="9525">
+                    <a:solidFill>
+                      <a:schemeClr val="accent1">
+                        <a:alpha val="30000"/>
+                      </a:schemeClr>
+                    </a:solidFill>
+                  </a:ln>
+                  <a:gradFill flip="none" rotWithShape="1">
+                    <a:gsLst>
+                      <a:gs pos="0">
+                        <a:schemeClr val="accent4"/>
+                      </a:gs>
+                      <a:gs pos="63000">
+                        <a:schemeClr val="accent1"/>
+                      </a:gs>
+                    </a:gsLst>
+                    <a:path path="circle">
+                      <a:fillToRect r="100000" b="100000"/>
+                    </a:path>
+                    <a:tileRect l="-100000" t="-100000"/>
+                  </a:gradFill>
+                  <a:latin typeface="바탕"/>
+                  <a:ea typeface="바탕"/>
+                </a:rPr>
+                <a:t>설정 </a:t>
+              </a:r>
+              <a:r>
+                <a:rPr lang="en-US" altLang="ko-KR" sz="2000" b="1" dirty="0">
+                  <a:ln w="9525">
+                    <a:solidFill>
+                      <a:schemeClr val="accent1">
+                        <a:alpha val="30000"/>
+                      </a:schemeClr>
+                    </a:solidFill>
+                  </a:ln>
+                  <a:gradFill flip="none" rotWithShape="1">
+                    <a:gsLst>
+                      <a:gs pos="0">
+                        <a:schemeClr val="accent4"/>
+                      </a:gs>
+                      <a:gs pos="63000">
+                        <a:schemeClr val="accent1"/>
+                      </a:gs>
+                    </a:gsLst>
+                    <a:path path="circle">
+                      <a:fillToRect r="100000" b="100000"/>
+                    </a:path>
+                    <a:tileRect l="-100000" t="-100000"/>
+                  </a:gradFill>
+                  <a:latin typeface="바탕"/>
+                  <a:ea typeface="바탕"/>
+                </a:rPr>
+                <a:t>(Remote PC </a:t>
+              </a:r>
+              <a:r>
+                <a:rPr lang="ko-KR" altLang="en-US" sz="2000" b="1" dirty="0">
+                  <a:ln w="9525">
+                    <a:solidFill>
+                      <a:schemeClr val="accent1">
+                        <a:alpha val="30000"/>
+                      </a:schemeClr>
+                    </a:solidFill>
+                  </a:ln>
+                  <a:gradFill flip="none" rotWithShape="1">
+                    <a:gsLst>
+                      <a:gs pos="0">
+                        <a:schemeClr val="accent4"/>
+                      </a:gs>
+                      <a:gs pos="63000">
+                        <a:schemeClr val="accent1"/>
+                      </a:gs>
+                    </a:gsLst>
+                    <a:path path="circle">
+                      <a:fillToRect r="100000" b="100000"/>
+                    </a:path>
+                    <a:tileRect l="-100000" t="-100000"/>
+                  </a:gradFill>
+                  <a:latin typeface="바탕"/>
+                  <a:ea typeface="바탕"/>
+                </a:rPr>
+                <a:t>기준</a:t>
+              </a:r>
+              <a:r>
+                <a:rPr lang="en-US" altLang="ko-KR" sz="2000" b="1" dirty="0">
+                  <a:ln w="9525">
+                    <a:solidFill>
+                      <a:schemeClr val="accent1">
+                        <a:alpha val="30000"/>
+                      </a:schemeClr>
+                    </a:solidFill>
+                  </a:ln>
+                  <a:gradFill flip="none" rotWithShape="1">
+                    <a:gsLst>
+                      <a:gs pos="0">
+                        <a:schemeClr val="accent4"/>
+                      </a:gs>
+                      <a:gs pos="63000">
+                        <a:schemeClr val="accent1"/>
+                      </a:gs>
+                    </a:gsLst>
+                    <a:path path="circle">
+                      <a:fillToRect r="100000" b="100000"/>
+                    </a:path>
+                    <a:tileRect l="-100000" t="-100000"/>
+                  </a:gradFill>
+                  <a:latin typeface="바탕"/>
+                  <a:ea typeface="바탕"/>
+                </a:rPr>
+                <a:t>)</a:t>
+              </a:r>
+              <a:endParaRPr lang="ko-KR" altLang="en-US" sz="2000" b="1" dirty="0">
+                <a:ln w="9525">
+                  <a:solidFill>
+                    <a:schemeClr val="accent1">
+                      <a:alpha val="30000"/>
+                    </a:schemeClr>
+                  </a:solidFill>
+                </a:ln>
+                <a:gradFill flip="none" rotWithShape="1">
+                  <a:gsLst>
+                    <a:gs pos="0">
+                      <a:schemeClr val="accent4"/>
+                    </a:gs>
+                    <a:gs pos="63000">
+                      <a:schemeClr val="accent1"/>
+                    </a:gs>
+                  </a:gsLst>
+                  <a:path path="circle">
+                    <a:fillToRect r="100000" b="100000"/>
+                  </a:path>
+                  <a:tileRect l="-100000" t="-100000"/>
+                </a:gradFill>
+                <a:latin typeface="바탕"/>
+                <a:ea typeface="바탕"/>
+              </a:endParaRPr>
+            </a:p>
+          </p:txBody>
+        </p:sp>
+      </p:grpSp>
+      <p:grpSp>
+        <p:nvGrpSpPr>
+          <p:cNvPr id="51" name="그룹 50">
+            <a:extLst>
+              <a:ext uri="{FF2B5EF4-FFF2-40B4-BE49-F238E27FC236}">
+                <a16:creationId xmlns:a16="http://schemas.microsoft.com/office/drawing/2014/main" id="{31D106B3-A3A9-4811-95B1-B45E696237C9}"/>
+              </a:ext>
+            </a:extLst>
+          </p:cNvPr>
+          <p:cNvGrpSpPr/>
+          <p:nvPr/>
+        </p:nvGrpSpPr>
+        <p:grpSpPr>
+          <a:xfrm>
+            <a:off x="495035" y="1567841"/>
+            <a:ext cx="11431863" cy="4727724"/>
+            <a:chOff x="753831" y="1265922"/>
+            <a:chExt cx="11431863" cy="4727724"/>
+          </a:xfrm>
+        </p:grpSpPr>
+        <p:grpSp>
+          <p:nvGrpSpPr>
+            <p:cNvPr id="37" name="그룹 36">
+              <a:extLst>
+                <a:ext uri="{FF2B5EF4-FFF2-40B4-BE49-F238E27FC236}">
+                  <a16:creationId xmlns:a16="http://schemas.microsoft.com/office/drawing/2014/main" id="{8FF1AEEB-E821-47E2-B801-27671A8E38CD}"/>
+                </a:ext>
+              </a:extLst>
+            </p:cNvPr>
+            <p:cNvGrpSpPr/>
+            <p:nvPr/>
+          </p:nvGrpSpPr>
+          <p:grpSpPr>
+            <a:xfrm>
+              <a:off x="753831" y="1265922"/>
+              <a:ext cx="6026531" cy="2640298"/>
+              <a:chOff x="753831" y="1265922"/>
+              <a:chExt cx="6026531" cy="2640298"/>
+            </a:xfrm>
+          </p:grpSpPr>
+          <p:pic>
+            <p:nvPicPr>
+              <p:cNvPr id="16" name="그림 15">
+                <a:extLst>
+                  <a:ext uri="{FF2B5EF4-FFF2-40B4-BE49-F238E27FC236}">
+                    <a16:creationId xmlns:a16="http://schemas.microsoft.com/office/drawing/2014/main" id="{649630D4-74AF-4382-84E1-79C2CE6C92F1}"/>
+                  </a:ext>
+                </a:extLst>
+              </p:cNvPr>
+              <p:cNvPicPr>
+                <a:picLocks noChangeAspect="1"/>
+              </p:cNvPicPr>
+              <p:nvPr/>
+            </p:nvPicPr>
+            <p:blipFill>
+              <a:blip r:embed="rId2">
+                <a:extLst>
+                  <a:ext uri="{28A0092B-C50C-407E-A947-70E740481C1C}">
+                    <a14:useLocalDpi xmlns:a14="http://schemas.microsoft.com/office/drawing/2010/main" val="0"/>
+                  </a:ext>
+                </a:extLst>
+              </a:blip>
+              <a:stretch>
+                <a:fillRect/>
+              </a:stretch>
+            </p:blipFill>
+            <p:spPr>
+              <a:xfrm>
+                <a:off x="1072686" y="1265922"/>
+                <a:ext cx="5707676" cy="2226230"/>
+              </a:xfrm>
+              <a:prstGeom prst="rect">
+                <a:avLst/>
+              </a:prstGeom>
+            </p:spPr>
+          </p:pic>
+          <p:sp>
+            <p:nvSpPr>
+              <p:cNvPr id="18" name="직사각형 17">
+                <a:extLst>
+                  <a:ext uri="{FF2B5EF4-FFF2-40B4-BE49-F238E27FC236}">
+                    <a16:creationId xmlns:a16="http://schemas.microsoft.com/office/drawing/2014/main" id="{274BD2C9-FFD2-4547-A28F-98D013916FB1}"/>
+                  </a:ext>
+                </a:extLst>
+              </p:cNvPr>
+              <p:cNvSpPr/>
+              <p:nvPr/>
+            </p:nvSpPr>
+            <p:spPr>
+              <a:xfrm>
+                <a:off x="1072686" y="1466491"/>
+                <a:ext cx="454189" cy="215660"/>
+              </a:xfrm>
+              <a:prstGeom prst="rect">
+                <a:avLst/>
+              </a:prstGeom>
+              <a:noFill/>
+              <a:ln w="28575">
+                <a:solidFill>
+                  <a:srgbClr val="FF0000"/>
+                </a:solidFill>
+              </a:ln>
+            </p:spPr>
+            <p:style>
+              <a:lnRef idx="2">
+                <a:schemeClr val="accent1">
+                  <a:shade val="50000"/>
+                </a:schemeClr>
+              </a:lnRef>
+              <a:fillRef idx="1">
+                <a:schemeClr val="accent1"/>
+              </a:fillRef>
+              <a:effectRef idx="0">
+                <a:schemeClr val="accent1"/>
+              </a:effectRef>
+              <a:fontRef idx="minor">
+                <a:schemeClr val="lt1"/>
+              </a:fontRef>
+            </p:style>
+            <p:txBody>
+              <a:bodyPr rtlCol="0" anchor="ctr"/>
+              <a:lstStyle/>
+              <a:p>
+                <a:pPr algn="ctr"/>
+                <a:endParaRPr lang="ko-KR" altLang="en-US"/>
+              </a:p>
+            </p:txBody>
+          </p:sp>
+          <p:sp>
+            <p:nvSpPr>
+              <p:cNvPr id="19" name="직사각형 18">
+                <a:extLst>
+                  <a:ext uri="{FF2B5EF4-FFF2-40B4-BE49-F238E27FC236}">
+                    <a16:creationId xmlns:a16="http://schemas.microsoft.com/office/drawing/2014/main" id="{55C2AD3B-82CE-4FEF-83BB-D0DBC9F75A8F}"/>
+                  </a:ext>
+                </a:extLst>
+              </p:cNvPr>
+              <p:cNvSpPr/>
+              <p:nvPr/>
+            </p:nvSpPr>
+            <p:spPr>
+              <a:xfrm>
+                <a:off x="1072686" y="2096219"/>
+                <a:ext cx="2101835" cy="155275"/>
+              </a:xfrm>
+              <a:prstGeom prst="rect">
+                <a:avLst/>
+              </a:prstGeom>
+              <a:noFill/>
+              <a:ln w="28575">
+                <a:solidFill>
+                  <a:srgbClr val="FF0000"/>
+                </a:solidFill>
+              </a:ln>
+            </p:spPr>
+            <p:style>
+              <a:lnRef idx="2">
+                <a:schemeClr val="accent1">
+                  <a:shade val="50000"/>
+                </a:schemeClr>
+              </a:lnRef>
+              <a:fillRef idx="1">
+                <a:schemeClr val="accent1"/>
+              </a:fillRef>
+              <a:effectRef idx="0">
+                <a:schemeClr val="accent1"/>
+              </a:effectRef>
+              <a:fontRef idx="minor">
+                <a:schemeClr val="lt1"/>
+              </a:fontRef>
+            </p:style>
+            <p:txBody>
+              <a:bodyPr rtlCol="0" anchor="ctr"/>
+              <a:lstStyle/>
+              <a:p>
+                <a:pPr algn="ctr"/>
+                <a:endParaRPr lang="ko-KR" altLang="en-US"/>
+              </a:p>
+            </p:txBody>
+          </p:sp>
+          <p:sp>
+            <p:nvSpPr>
+              <p:cNvPr id="20" name="직사각형 19">
+                <a:extLst>
+                  <a:ext uri="{FF2B5EF4-FFF2-40B4-BE49-F238E27FC236}">
+                    <a16:creationId xmlns:a16="http://schemas.microsoft.com/office/drawing/2014/main" id="{D6E46E6B-2B30-4A83-9F4D-1346790EA94D}"/>
+                  </a:ext>
+                </a:extLst>
+              </p:cNvPr>
+              <p:cNvSpPr/>
+              <p:nvPr/>
+            </p:nvSpPr>
+            <p:spPr>
+              <a:xfrm>
+                <a:off x="3174521" y="2855343"/>
+                <a:ext cx="1552754" cy="155275"/>
+              </a:xfrm>
+              <a:prstGeom prst="rect">
+                <a:avLst/>
+              </a:prstGeom>
+              <a:noFill/>
+              <a:ln w="28575">
+                <a:solidFill>
+                  <a:srgbClr val="FF0000"/>
+                </a:solidFill>
+              </a:ln>
+            </p:spPr>
+            <p:style>
+              <a:lnRef idx="2">
+                <a:schemeClr val="accent1">
+                  <a:shade val="50000"/>
+                </a:schemeClr>
+              </a:lnRef>
+              <a:fillRef idx="1">
+                <a:schemeClr val="accent1"/>
+              </a:fillRef>
+              <a:effectRef idx="0">
+                <a:schemeClr val="accent1"/>
+              </a:effectRef>
+              <a:fontRef idx="minor">
+                <a:schemeClr val="lt1"/>
+              </a:fontRef>
+            </p:style>
+            <p:txBody>
+              <a:bodyPr rtlCol="0" anchor="ctr"/>
+              <a:lstStyle/>
+              <a:p>
+                <a:pPr algn="ctr"/>
+                <a:endParaRPr lang="ko-KR" altLang="en-US"/>
+              </a:p>
+            </p:txBody>
+          </p:sp>
+          <p:sp>
+            <p:nvSpPr>
+              <p:cNvPr id="21" name="직사각형 20">
+                <a:extLst>
+                  <a:ext uri="{FF2B5EF4-FFF2-40B4-BE49-F238E27FC236}">
+                    <a16:creationId xmlns:a16="http://schemas.microsoft.com/office/drawing/2014/main" id="{C7C77F23-A232-4F9E-8DF2-A330759576C8}"/>
+                  </a:ext>
+                </a:extLst>
+              </p:cNvPr>
+              <p:cNvSpPr/>
+              <p:nvPr/>
+            </p:nvSpPr>
+            <p:spPr>
+              <a:xfrm>
+                <a:off x="4727275" y="2855343"/>
+                <a:ext cx="2053087" cy="155275"/>
+              </a:xfrm>
+              <a:prstGeom prst="rect">
+                <a:avLst/>
+              </a:prstGeom>
+              <a:noFill/>
+              <a:ln w="28575">
+                <a:solidFill>
+                  <a:srgbClr val="FF0000"/>
+                </a:solidFill>
+              </a:ln>
+            </p:spPr>
+            <p:style>
+              <a:lnRef idx="2">
+                <a:schemeClr val="accent1">
+                  <a:shade val="50000"/>
+                </a:schemeClr>
+              </a:lnRef>
+              <a:fillRef idx="1">
+                <a:schemeClr val="accent1"/>
+              </a:fillRef>
+              <a:effectRef idx="0">
+                <a:schemeClr val="accent1"/>
+              </a:effectRef>
+              <a:fontRef idx="minor">
+                <a:schemeClr val="lt1"/>
+              </a:fontRef>
+            </p:style>
+            <p:txBody>
+              <a:bodyPr rtlCol="0" anchor="ctr"/>
+              <a:lstStyle/>
+              <a:p>
+                <a:pPr algn="ctr"/>
+                <a:endParaRPr lang="ko-KR" altLang="en-US"/>
+              </a:p>
+            </p:txBody>
+          </p:sp>
+          <p:sp>
+            <p:nvSpPr>
+              <p:cNvPr id="23" name="TextBox 22">
+                <a:extLst>
+                  <a:ext uri="{FF2B5EF4-FFF2-40B4-BE49-F238E27FC236}">
+                    <a16:creationId xmlns:a16="http://schemas.microsoft.com/office/drawing/2014/main" id="{E75E014D-EAF5-4F10-A8D9-25A260F65662}"/>
+                  </a:ext>
+                </a:extLst>
+              </p:cNvPr>
+              <p:cNvSpPr txBox="1"/>
+              <p:nvPr/>
+            </p:nvSpPr>
+            <p:spPr>
+              <a:xfrm>
+                <a:off x="753831" y="1389655"/>
+                <a:ext cx="297406" cy="369332"/>
+              </a:xfrm>
+              <a:prstGeom prst="rect">
+                <a:avLst/>
+              </a:prstGeom>
+              <a:noFill/>
+            </p:spPr>
+            <p:txBody>
+              <a:bodyPr wrap="square" rtlCol="0">
+                <a:spAutoFit/>
+              </a:bodyPr>
+              <a:lstStyle/>
+              <a:p>
+                <a:r>
+                  <a:rPr lang="en-US" altLang="ko-KR" b="1" dirty="0">
+                    <a:solidFill>
+                      <a:schemeClr val="accent1"/>
+                    </a:solidFill>
+                    <a:latin typeface="돋움" panose="020B0600000101010101" pitchFamily="50" charset="-127"/>
+                    <a:ea typeface="돋움" panose="020B0600000101010101" pitchFamily="50" charset="-127"/>
+                  </a:rPr>
+                  <a:t>1</a:t>
+                </a:r>
+              </a:p>
+            </p:txBody>
+          </p:sp>
+          <p:sp>
+            <p:nvSpPr>
+              <p:cNvPr id="24" name="TextBox 23">
+                <a:extLst>
+                  <a:ext uri="{FF2B5EF4-FFF2-40B4-BE49-F238E27FC236}">
+                    <a16:creationId xmlns:a16="http://schemas.microsoft.com/office/drawing/2014/main" id="{377DC583-DCE1-40CE-82AB-068DECAC7401}"/>
+                  </a:ext>
+                </a:extLst>
+              </p:cNvPr>
+              <p:cNvSpPr txBox="1"/>
+              <p:nvPr/>
+            </p:nvSpPr>
+            <p:spPr>
+              <a:xfrm>
+                <a:off x="753831" y="1989190"/>
+                <a:ext cx="297406" cy="369332"/>
+              </a:xfrm>
+              <a:prstGeom prst="rect">
+                <a:avLst/>
+              </a:prstGeom>
+              <a:noFill/>
+            </p:spPr>
+            <p:txBody>
+              <a:bodyPr wrap="square" rtlCol="0">
+                <a:spAutoFit/>
+              </a:bodyPr>
+              <a:lstStyle/>
+              <a:p>
+                <a:r>
+                  <a:rPr lang="en-US" altLang="ko-KR" b="1" dirty="0">
+                    <a:solidFill>
+                      <a:schemeClr val="accent1"/>
+                    </a:solidFill>
+                    <a:latin typeface="돋움" panose="020B0600000101010101" pitchFamily="50" charset="-127"/>
+                    <a:ea typeface="돋움" panose="020B0600000101010101" pitchFamily="50" charset="-127"/>
+                  </a:rPr>
+                  <a:t>2</a:t>
+                </a:r>
+              </a:p>
+            </p:txBody>
+          </p:sp>
+          <p:sp>
+            <p:nvSpPr>
+              <p:cNvPr id="25" name="TextBox 24">
+                <a:extLst>
+                  <a:ext uri="{FF2B5EF4-FFF2-40B4-BE49-F238E27FC236}">
+                    <a16:creationId xmlns:a16="http://schemas.microsoft.com/office/drawing/2014/main" id="{A1D2BFF2-DBB3-47E5-9A1E-68D5BC3FAB03}"/>
+                  </a:ext>
+                </a:extLst>
+              </p:cNvPr>
+              <p:cNvSpPr txBox="1"/>
+              <p:nvPr/>
+            </p:nvSpPr>
+            <p:spPr>
+              <a:xfrm>
+                <a:off x="2995418" y="2982890"/>
+                <a:ext cx="3784941" cy="923330"/>
+              </a:xfrm>
+              <a:prstGeom prst="rect">
+                <a:avLst/>
+              </a:prstGeom>
+              <a:noFill/>
+            </p:spPr>
+            <p:txBody>
+              <a:bodyPr wrap="square" rtlCol="0">
+                <a:spAutoFit/>
+              </a:bodyPr>
+              <a:lstStyle/>
+              <a:p>
+                <a:r>
+                  <a:rPr lang="en-US" altLang="ko-KR" b="1" dirty="0">
+                    <a:solidFill>
+                      <a:schemeClr val="accent1"/>
+                    </a:solidFill>
+                    <a:latin typeface="돋움" panose="020B0600000101010101" pitchFamily="50" charset="-127"/>
+                    <a:ea typeface="돋움" panose="020B0600000101010101" pitchFamily="50" charset="-127"/>
+                  </a:rPr>
+                  <a:t>3.</a:t>
+                </a:r>
+              </a:p>
+              <a:p>
+                <a:r>
+                  <a:rPr lang="ko-KR" altLang="en-US" b="1" dirty="0">
+                    <a:solidFill>
+                      <a:schemeClr val="accent1"/>
+                    </a:solidFill>
+                    <a:latin typeface="돋움" panose="020B0600000101010101" pitchFamily="50" charset="-127"/>
+                    <a:ea typeface="돋움" panose="020B0600000101010101" pitchFamily="50" charset="-127"/>
+                  </a:rPr>
+                  <a:t>이 부분이 없다면 </a:t>
+                </a:r>
+                <a:r>
+                  <a:rPr lang="en-US" altLang="ko-KR" b="1" dirty="0">
+                    <a:solidFill>
+                      <a:schemeClr val="accent1"/>
+                    </a:solidFill>
+                    <a:latin typeface="돋움" panose="020B0600000101010101" pitchFamily="50" charset="-127"/>
+                    <a:ea typeface="돋움" panose="020B0600000101010101" pitchFamily="50" charset="-127"/>
+                  </a:rPr>
+                  <a:t>USB </a:t>
+                </a:r>
+                <a:r>
+                  <a:rPr lang="ko-KR" altLang="en-US" b="1" dirty="0">
+                    <a:solidFill>
+                      <a:schemeClr val="accent1"/>
+                    </a:solidFill>
+                    <a:latin typeface="돋움" panose="020B0600000101010101" pitchFamily="50" charset="-127"/>
+                    <a:ea typeface="돋움" panose="020B0600000101010101" pitchFamily="50" charset="-127"/>
+                  </a:rPr>
+                  <a:t>무선 </a:t>
+                </a:r>
+                <a:r>
+                  <a:rPr lang="ko-KR" altLang="en-US" b="1" dirty="0" err="1">
+                    <a:solidFill>
+                      <a:schemeClr val="accent1"/>
+                    </a:solidFill>
+                    <a:latin typeface="돋움" panose="020B0600000101010101" pitchFamily="50" charset="-127"/>
+                    <a:ea typeface="돋움" panose="020B0600000101010101" pitchFamily="50" charset="-127"/>
+                  </a:rPr>
+                  <a:t>랜카드를</a:t>
+                </a:r>
+                <a:r>
+                  <a:rPr lang="ko-KR" altLang="en-US" b="1" dirty="0">
+                    <a:solidFill>
+                      <a:schemeClr val="accent1"/>
+                    </a:solidFill>
+                    <a:latin typeface="돋움" panose="020B0600000101010101" pitchFamily="50" charset="-127"/>
+                    <a:ea typeface="돋움" panose="020B0600000101010101" pitchFamily="50" charset="-127"/>
+                  </a:rPr>
+                  <a:t> 컴퓨터에 연결한 후 다시 시도</a:t>
+                </a:r>
+                <a:endParaRPr lang="en-US" altLang="ko-KR" b="1" dirty="0">
+                  <a:solidFill>
+                    <a:schemeClr val="accent1"/>
+                  </a:solidFill>
+                  <a:latin typeface="돋움" panose="020B0600000101010101" pitchFamily="50" charset="-127"/>
+                  <a:ea typeface="돋움" panose="020B0600000101010101" pitchFamily="50" charset="-127"/>
+                </a:endParaRPr>
+              </a:p>
+            </p:txBody>
+          </p:sp>
+          <p:sp>
+            <p:nvSpPr>
+              <p:cNvPr id="26" name="TextBox 25">
+                <a:extLst>
+                  <a:ext uri="{FF2B5EF4-FFF2-40B4-BE49-F238E27FC236}">
+                    <a16:creationId xmlns:a16="http://schemas.microsoft.com/office/drawing/2014/main" id="{85BCA750-E880-4B60-B0B0-D12249CD2B7E}"/>
+                  </a:ext>
+                </a:extLst>
+              </p:cNvPr>
+              <p:cNvSpPr txBox="1"/>
+              <p:nvPr/>
+            </p:nvSpPr>
+            <p:spPr>
+              <a:xfrm>
+                <a:off x="4731383" y="2487765"/>
+                <a:ext cx="297406" cy="369332"/>
+              </a:xfrm>
+              <a:prstGeom prst="rect">
+                <a:avLst/>
+              </a:prstGeom>
+              <a:noFill/>
+            </p:spPr>
+            <p:txBody>
+              <a:bodyPr wrap="square" rtlCol="0">
+                <a:spAutoFit/>
+              </a:bodyPr>
+              <a:lstStyle/>
+              <a:p>
+                <a:r>
+                  <a:rPr lang="en-US" altLang="ko-KR" b="1" dirty="0">
+                    <a:solidFill>
+                      <a:schemeClr val="accent1"/>
+                    </a:solidFill>
+                    <a:latin typeface="돋움" panose="020B0600000101010101" pitchFamily="50" charset="-127"/>
+                    <a:ea typeface="돋움" panose="020B0600000101010101" pitchFamily="50" charset="-127"/>
+                  </a:rPr>
+                  <a:t>4</a:t>
+                </a:r>
+              </a:p>
+            </p:txBody>
+          </p:sp>
+        </p:grpSp>
+        <p:cxnSp>
+          <p:nvCxnSpPr>
+            <p:cNvPr id="31" name="직선 화살표 연결선 30">
+              <a:extLst>
+                <a:ext uri="{FF2B5EF4-FFF2-40B4-BE49-F238E27FC236}">
+                  <a16:creationId xmlns:a16="http://schemas.microsoft.com/office/drawing/2014/main" id="{C9961927-3ED7-43AC-93E4-D545FF998B3C}"/>
+                </a:ext>
+              </a:extLst>
+            </p:cNvPr>
+            <p:cNvCxnSpPr>
+              <a:cxnSpLocks/>
+            </p:cNvCxnSpPr>
+            <p:nvPr/>
+          </p:nvCxnSpPr>
+          <p:spPr>
+            <a:xfrm>
+              <a:off x="2995418" y="3691172"/>
+              <a:ext cx="0" cy="529749"/>
+            </a:xfrm>
+            <a:prstGeom prst="straightConnector1">
+              <a:avLst/>
+            </a:prstGeom>
+            <a:ln>
+              <a:tailEnd type="triangle"/>
+            </a:ln>
+          </p:spPr>
+          <p:style>
+            <a:lnRef idx="1">
+              <a:schemeClr val="accent1"/>
+            </a:lnRef>
+            <a:fillRef idx="0">
+              <a:schemeClr val="accent1"/>
+            </a:fillRef>
+            <a:effectRef idx="0">
+              <a:schemeClr val="accent1"/>
+            </a:effectRef>
+            <a:fontRef idx="minor">
+              <a:schemeClr val="tx1"/>
+            </a:fontRef>
+          </p:style>
+        </p:cxnSp>
+        <p:grpSp>
+          <p:nvGrpSpPr>
+            <p:cNvPr id="41" name="그룹 40">
+              <a:extLst>
+                <a:ext uri="{FF2B5EF4-FFF2-40B4-BE49-F238E27FC236}">
+                  <a16:creationId xmlns:a16="http://schemas.microsoft.com/office/drawing/2014/main" id="{2132E127-2DEC-4311-BD83-3411F766D52E}"/>
+                </a:ext>
+              </a:extLst>
+            </p:cNvPr>
+            <p:cNvGrpSpPr/>
+            <p:nvPr/>
+          </p:nvGrpSpPr>
+          <p:grpSpPr>
+            <a:xfrm>
+              <a:off x="1445987" y="4411857"/>
+              <a:ext cx="3668608" cy="1581789"/>
+              <a:chOff x="7751897" y="1758987"/>
+              <a:chExt cx="3668608" cy="1581789"/>
+            </a:xfrm>
+          </p:grpSpPr>
+          <p:pic>
+            <p:nvPicPr>
+              <p:cNvPr id="29" name="그림 28">
+                <a:extLst>
+                  <a:ext uri="{FF2B5EF4-FFF2-40B4-BE49-F238E27FC236}">
+                    <a16:creationId xmlns:a16="http://schemas.microsoft.com/office/drawing/2014/main" id="{807131F6-DE4C-4BA1-85A2-9775DDEC3265}"/>
+                  </a:ext>
+                </a:extLst>
+              </p:cNvPr>
+              <p:cNvPicPr>
+                <a:picLocks noChangeAspect="1"/>
+              </p:cNvPicPr>
+              <p:nvPr/>
+            </p:nvPicPr>
+            <p:blipFill>
+              <a:blip r:embed="rId3">
+                <a:extLst>
+                  <a:ext uri="{28A0092B-C50C-407E-A947-70E740481C1C}">
+                    <a14:useLocalDpi xmlns:a14="http://schemas.microsoft.com/office/drawing/2010/main" val="0"/>
+                  </a:ext>
+                </a:extLst>
+              </a:blip>
+              <a:stretch>
+                <a:fillRect/>
+              </a:stretch>
+            </p:blipFill>
+            <p:spPr>
+              <a:xfrm>
+                <a:off x="7751897" y="1758987"/>
+                <a:ext cx="3668608" cy="1581789"/>
+              </a:xfrm>
+              <a:prstGeom prst="rect">
+                <a:avLst/>
+              </a:prstGeom>
+            </p:spPr>
+          </p:pic>
+          <p:sp>
+            <p:nvSpPr>
+              <p:cNvPr id="36" name="TextBox 35">
+                <a:extLst>
+                  <a:ext uri="{FF2B5EF4-FFF2-40B4-BE49-F238E27FC236}">
+                    <a16:creationId xmlns:a16="http://schemas.microsoft.com/office/drawing/2014/main" id="{A60FD7DC-B37C-4487-9395-DE4014A60FB1}"/>
+                  </a:ext>
+                </a:extLst>
+              </p:cNvPr>
+              <p:cNvSpPr txBox="1"/>
+              <p:nvPr/>
+            </p:nvSpPr>
+            <p:spPr>
+              <a:xfrm>
+                <a:off x="9586201" y="2894964"/>
+                <a:ext cx="297406" cy="369332"/>
+              </a:xfrm>
+              <a:prstGeom prst="rect">
+                <a:avLst/>
+              </a:prstGeom>
+              <a:noFill/>
+            </p:spPr>
+            <p:txBody>
+              <a:bodyPr wrap="square" rtlCol="0">
+                <a:spAutoFit/>
+              </a:bodyPr>
+              <a:lstStyle/>
+              <a:p>
+                <a:r>
+                  <a:rPr lang="en-US" altLang="ko-KR" b="1" dirty="0">
+                    <a:solidFill>
+                      <a:schemeClr val="accent1"/>
+                    </a:solidFill>
+                    <a:latin typeface="돋움" panose="020B0600000101010101" pitchFamily="50" charset="-127"/>
+                    <a:ea typeface="돋움" panose="020B0600000101010101" pitchFamily="50" charset="-127"/>
+                  </a:rPr>
+                  <a:t>5</a:t>
+                </a:r>
+              </a:p>
+            </p:txBody>
+          </p:sp>
+          <p:sp>
+            <p:nvSpPr>
+              <p:cNvPr id="32" name="직사각형 31">
+                <a:extLst>
+                  <a:ext uri="{FF2B5EF4-FFF2-40B4-BE49-F238E27FC236}">
+                    <a16:creationId xmlns:a16="http://schemas.microsoft.com/office/drawing/2014/main" id="{AFB31E41-A445-4DD6-B905-C3EFDF577D1D}"/>
+                  </a:ext>
+                </a:extLst>
+              </p:cNvPr>
+              <p:cNvSpPr/>
+              <p:nvPr/>
+            </p:nvSpPr>
+            <p:spPr>
+              <a:xfrm>
+                <a:off x="9903125" y="3010618"/>
+                <a:ext cx="698739" cy="172529"/>
+              </a:xfrm>
+              <a:prstGeom prst="rect">
+                <a:avLst/>
+              </a:prstGeom>
+              <a:noFill/>
+              <a:ln w="28575">
+                <a:solidFill>
+                  <a:srgbClr val="FF0000"/>
+                </a:solidFill>
+              </a:ln>
+            </p:spPr>
+            <p:style>
+              <a:lnRef idx="2">
+                <a:schemeClr val="accent1">
+                  <a:shade val="50000"/>
+                </a:schemeClr>
+              </a:lnRef>
+              <a:fillRef idx="1">
+                <a:schemeClr val="accent1"/>
+              </a:fillRef>
+              <a:effectRef idx="0">
+                <a:schemeClr val="accent1"/>
+              </a:effectRef>
+              <a:fontRef idx="minor">
+                <a:schemeClr val="lt1"/>
+              </a:fontRef>
+            </p:style>
+            <p:txBody>
+              <a:bodyPr rtlCol="0" anchor="ctr"/>
+              <a:lstStyle/>
+              <a:p>
+                <a:pPr algn="ctr"/>
+                <a:endParaRPr lang="ko-KR" altLang="en-US"/>
+              </a:p>
+            </p:txBody>
+          </p:sp>
+        </p:grpSp>
+        <p:pic>
+          <p:nvPicPr>
+            <p:cNvPr id="39" name="그림 38">
+              <a:extLst>
+                <a:ext uri="{FF2B5EF4-FFF2-40B4-BE49-F238E27FC236}">
+                  <a16:creationId xmlns:a16="http://schemas.microsoft.com/office/drawing/2014/main" id="{5C0ED45D-6F14-4C19-BC91-533E90ACB57C}"/>
+                </a:ext>
+              </a:extLst>
+            </p:cNvPr>
+            <p:cNvPicPr>
+              <a:picLocks noChangeAspect="1"/>
+            </p:cNvPicPr>
+            <p:nvPr/>
+          </p:nvPicPr>
+          <p:blipFill>
+            <a:blip r:embed="rId4">
+              <a:extLst>
+                <a:ext uri="{28A0092B-C50C-407E-A947-70E740481C1C}">
+                  <a14:useLocalDpi xmlns:a14="http://schemas.microsoft.com/office/drawing/2010/main" val="0"/>
+                </a:ext>
+              </a:extLst>
+            </a:blip>
+            <a:stretch>
+              <a:fillRect/>
+            </a:stretch>
+          </p:blipFill>
+          <p:spPr>
+            <a:xfrm>
+              <a:off x="8220043" y="1574321"/>
+              <a:ext cx="2525970" cy="4368544"/>
+            </a:xfrm>
+            <a:prstGeom prst="rect">
+              <a:avLst/>
+            </a:prstGeom>
+          </p:spPr>
+        </p:pic>
+        <p:cxnSp>
+          <p:nvCxnSpPr>
+            <p:cNvPr id="43" name="직선 화살표 연결선 42">
+              <a:extLst>
+                <a:ext uri="{FF2B5EF4-FFF2-40B4-BE49-F238E27FC236}">
+                  <a16:creationId xmlns:a16="http://schemas.microsoft.com/office/drawing/2014/main" id="{06A4B001-C44A-4843-9701-B92542A1CC98}"/>
+                </a:ext>
+              </a:extLst>
+            </p:cNvPr>
+            <p:cNvCxnSpPr/>
+            <p:nvPr/>
+          </p:nvCxnSpPr>
+          <p:spPr>
+            <a:xfrm flipV="1">
+              <a:off x="5589917" y="3355675"/>
+              <a:ext cx="2364734" cy="1847076"/>
+            </a:xfrm>
+            <a:prstGeom prst="straightConnector1">
+              <a:avLst/>
+            </a:prstGeom>
+            <a:ln>
+              <a:tailEnd type="triangle"/>
+            </a:ln>
+          </p:spPr>
+          <p:style>
+            <a:lnRef idx="1">
+              <a:schemeClr val="accent1"/>
+            </a:lnRef>
+            <a:fillRef idx="0">
+              <a:schemeClr val="accent1"/>
+            </a:fillRef>
+            <a:effectRef idx="0">
+              <a:schemeClr val="accent1"/>
+            </a:effectRef>
+            <a:fontRef idx="minor">
+              <a:schemeClr val="tx1"/>
+            </a:fontRef>
+          </p:style>
+        </p:cxnSp>
+        <p:sp>
+          <p:nvSpPr>
+            <p:cNvPr id="44" name="직사각형 43">
+              <a:extLst>
+                <a:ext uri="{FF2B5EF4-FFF2-40B4-BE49-F238E27FC236}">
+                  <a16:creationId xmlns:a16="http://schemas.microsoft.com/office/drawing/2014/main" id="{0B3C9EBE-88A6-4912-A3E0-05E345C50AF3}"/>
+                </a:ext>
+              </a:extLst>
+            </p:cNvPr>
+            <p:cNvSpPr/>
+            <p:nvPr/>
+          </p:nvSpPr>
+          <p:spPr>
+            <a:xfrm>
+              <a:off x="9299275" y="1574321"/>
+              <a:ext cx="224287" cy="184666"/>
+            </a:xfrm>
+            <a:prstGeom prst="rect">
+              <a:avLst/>
+            </a:prstGeom>
+            <a:noFill/>
+            <a:ln w="28575">
+              <a:solidFill>
+                <a:srgbClr val="FF0000"/>
+              </a:solidFill>
+            </a:ln>
+          </p:spPr>
+          <p:style>
+            <a:lnRef idx="2">
+              <a:schemeClr val="accent1">
+                <a:shade val="50000"/>
+              </a:schemeClr>
+            </a:lnRef>
+            <a:fillRef idx="1">
+              <a:schemeClr val="accent1"/>
+            </a:fillRef>
+            <a:effectRef idx="0">
+              <a:schemeClr val="accent1"/>
+            </a:effectRef>
+            <a:fontRef idx="minor">
+              <a:schemeClr val="lt1"/>
+            </a:fontRef>
+          </p:style>
+          <p:txBody>
+            <a:bodyPr rtlCol="0" anchor="ctr"/>
+            <a:lstStyle/>
+            <a:p>
+              <a:pPr algn="ctr"/>
+              <a:endParaRPr lang="ko-KR" altLang="en-US"/>
+            </a:p>
+          </p:txBody>
+        </p:sp>
+        <p:sp>
+          <p:nvSpPr>
+            <p:cNvPr id="45" name="직사각형 44">
+              <a:extLst>
+                <a:ext uri="{FF2B5EF4-FFF2-40B4-BE49-F238E27FC236}">
+                  <a16:creationId xmlns:a16="http://schemas.microsoft.com/office/drawing/2014/main" id="{B12039DB-0B81-444D-AC6C-5978747FA154}"/>
+                </a:ext>
+              </a:extLst>
+            </p:cNvPr>
+            <p:cNvSpPr/>
+            <p:nvPr/>
+          </p:nvSpPr>
+          <p:spPr>
+            <a:xfrm>
+              <a:off x="8298611" y="2487765"/>
+              <a:ext cx="2380891" cy="1816816"/>
+            </a:xfrm>
+            <a:prstGeom prst="rect">
+              <a:avLst/>
+            </a:prstGeom>
+            <a:noFill/>
+            <a:ln w="28575">
+              <a:solidFill>
+                <a:srgbClr val="FF0000"/>
+              </a:solidFill>
+            </a:ln>
+          </p:spPr>
+          <p:style>
+            <a:lnRef idx="2">
+              <a:schemeClr val="accent1">
+                <a:shade val="50000"/>
+              </a:schemeClr>
+            </a:lnRef>
+            <a:fillRef idx="1">
+              <a:schemeClr val="accent1"/>
+            </a:fillRef>
+            <a:effectRef idx="0">
+              <a:schemeClr val="accent1"/>
+            </a:effectRef>
+            <a:fontRef idx="minor">
+              <a:schemeClr val="lt1"/>
+            </a:fontRef>
+          </p:style>
+          <p:txBody>
+            <a:bodyPr rtlCol="0" anchor="ctr"/>
+            <a:lstStyle/>
+            <a:p>
+              <a:pPr algn="ctr"/>
+              <a:endParaRPr lang="ko-KR" altLang="en-US"/>
+            </a:p>
+          </p:txBody>
+        </p:sp>
+        <p:sp>
+          <p:nvSpPr>
+            <p:cNvPr id="47" name="TextBox 46">
+              <a:extLst>
+                <a:ext uri="{FF2B5EF4-FFF2-40B4-BE49-F238E27FC236}">
+                  <a16:creationId xmlns:a16="http://schemas.microsoft.com/office/drawing/2014/main" id="{6665192C-5072-463C-8681-898C0788E829}"/>
+                </a:ext>
+              </a:extLst>
+            </p:cNvPr>
+            <p:cNvSpPr txBox="1"/>
+            <p:nvPr/>
+          </p:nvSpPr>
+          <p:spPr>
+            <a:xfrm>
+              <a:off x="9032159" y="1483343"/>
+              <a:ext cx="249964" cy="366622"/>
+            </a:xfrm>
+            <a:prstGeom prst="rect">
+              <a:avLst/>
+            </a:prstGeom>
+            <a:noFill/>
+          </p:spPr>
+          <p:txBody>
+            <a:bodyPr wrap="square" rtlCol="0">
+              <a:spAutoFit/>
+            </a:bodyPr>
+            <a:lstStyle/>
+            <a:p>
+              <a:r>
+                <a:rPr lang="en-US" altLang="ko-KR" b="1" dirty="0">
+                  <a:solidFill>
+                    <a:schemeClr val="accent1"/>
+                  </a:solidFill>
+                  <a:latin typeface="돋움" panose="020B0600000101010101" pitchFamily="50" charset="-127"/>
+                  <a:ea typeface="돋움" panose="020B0600000101010101" pitchFamily="50" charset="-127"/>
+                </a:rPr>
+                <a:t>6</a:t>
+              </a:r>
+            </a:p>
+          </p:txBody>
+        </p:sp>
+        <p:sp>
+          <p:nvSpPr>
+            <p:cNvPr id="48" name="TextBox 47">
+              <a:extLst>
+                <a:ext uri="{FF2B5EF4-FFF2-40B4-BE49-F238E27FC236}">
+                  <a16:creationId xmlns:a16="http://schemas.microsoft.com/office/drawing/2014/main" id="{CFA45F20-2E7B-4753-9E1E-1752F4ECF03A}"/>
+                </a:ext>
+              </a:extLst>
+            </p:cNvPr>
+            <p:cNvSpPr txBox="1"/>
+            <p:nvPr/>
+          </p:nvSpPr>
+          <p:spPr>
+            <a:xfrm>
+              <a:off x="10746013" y="3632882"/>
+              <a:ext cx="1439681" cy="646331"/>
+            </a:xfrm>
+            <a:prstGeom prst="rect">
+              <a:avLst/>
+            </a:prstGeom>
+            <a:noFill/>
+          </p:spPr>
+          <p:txBody>
+            <a:bodyPr wrap="square" rtlCol="0">
+              <a:spAutoFit/>
+            </a:bodyPr>
+            <a:lstStyle/>
+            <a:p>
+              <a:r>
+                <a:rPr lang="en-US" altLang="ko-KR" b="1" dirty="0">
+                  <a:solidFill>
+                    <a:schemeClr val="accent1"/>
+                  </a:solidFill>
+                  <a:latin typeface="돋움" panose="020B0600000101010101" pitchFamily="50" charset="-127"/>
+                  <a:ea typeface="돋움" panose="020B0600000101010101" pitchFamily="50" charset="-127"/>
+                </a:rPr>
+                <a:t>7. </a:t>
+              </a:r>
+              <a:r>
+                <a:rPr lang="ko-KR" altLang="en-US" b="1" dirty="0">
+                  <a:solidFill>
+                    <a:schemeClr val="accent1"/>
+                  </a:solidFill>
+                  <a:latin typeface="돋움" panose="020B0600000101010101" pitchFamily="50" charset="-127"/>
+                  <a:ea typeface="돋움" panose="020B0600000101010101" pitchFamily="50" charset="-127"/>
+                </a:rPr>
+                <a:t>원하는 </a:t>
+              </a:r>
+              <a:r>
+                <a:rPr lang="en-US" altLang="ko-KR" b="1" dirty="0" err="1">
+                  <a:solidFill>
+                    <a:schemeClr val="accent1"/>
+                  </a:solidFill>
+                  <a:latin typeface="돋움" panose="020B0600000101010101" pitchFamily="50" charset="-127"/>
+                  <a:ea typeface="돋움" panose="020B0600000101010101" pitchFamily="50" charset="-127"/>
+                </a:rPr>
+                <a:t>WiFi</a:t>
+              </a:r>
+              <a:r>
+                <a:rPr lang="ko-KR" altLang="en-US" b="1" dirty="0">
+                  <a:solidFill>
+                    <a:schemeClr val="accent1"/>
+                  </a:solidFill>
+                  <a:latin typeface="돋움" panose="020B0600000101010101" pitchFamily="50" charset="-127"/>
+                  <a:ea typeface="돋움" panose="020B0600000101010101" pitchFamily="50" charset="-127"/>
+                </a:rPr>
+                <a:t>에 연결</a:t>
+              </a:r>
+              <a:endParaRPr lang="en-US" altLang="ko-KR" b="1" dirty="0">
+                <a:solidFill>
+                  <a:schemeClr val="accent1"/>
+                </a:solidFill>
+                <a:latin typeface="돋움" panose="020B0600000101010101" pitchFamily="50" charset="-127"/>
+                <a:ea typeface="돋움" panose="020B0600000101010101" pitchFamily="50" charset="-127"/>
+              </a:endParaRPr>
+            </a:p>
+          </p:txBody>
+        </p:sp>
+      </p:grpSp>
+    </p:spTree>
+    <p:extLst>
+      <p:ext uri="{BB962C8B-B14F-4D97-AF65-F5344CB8AC3E}">
+        <p14:creationId xmlns:p14="http://schemas.microsoft.com/office/powerpoint/2010/main" val="1959931945"/>
+      </p:ext>
+    </p:extLst>
+  </p:cSld>
+  <p:clrMapOvr>
+    <a:masterClrMapping/>
+  </p:clrMapOvr>
+  <mc:AlternateContent xmlns:mc="http://schemas.openxmlformats.org/markup-compatibility/2006" xmlns:p14="http://schemas.microsoft.com/office/powerpoint/2010/main">
+    <mc:Choice Requires="p14">
+      <p:transition/>
+    </mc:Choice>
+    <mc:Fallback xmlns:dsp="http://schemas.microsoft.com/office/drawing/2008/diagram" xmlns:dgm="http://schemas.openxmlformats.org/drawingml/2006/diagram" xmlns:c="http://schemas.openxmlformats.org/drawingml/2006/chart" xmlns="">
+      <p:transition/>
+    </mc:Fallback>
+  </mc:AlternateContent>
+</p:sld>
+</file>
+
+<file path=ppt/slides/slide9.xml><?xml version="1.0" encoding="utf-8"?>
 <p:sld xmlns:a="http://schemas.openxmlformats.org/drawingml/2006/main" xmlns:r="http://schemas.openxmlformats.org/officeDocument/2006/relationships" xmlns:p="http://schemas.openxmlformats.org/presentationml/2006/main">
   <p:cSld>
     <p:spTree>
@@ -6945,7 +8333,7 @@
                   <a:latin typeface="바탕"/>
                   <a:ea typeface="바탕"/>
                 </a:rPr>
-                <a:t>04</a:t>
+                <a:t>05</a:t>
               </a:r>
               <a:endParaRPr lang="ko-KR" altLang="en-US" sz="1400" b="1" dirty="0">
                 <a:ln w="9525">
@@ -7334,7 +8722,7 @@
     <mc:Choice Requires="p14">
       <p:transition/>
     </mc:Choice>
-    <mc:Fallback xmlns="" xmlns:c="http://schemas.openxmlformats.org/drawingml/2006/chart" xmlns:dgm="http://schemas.openxmlformats.org/drawingml/2006/diagram" xmlns:dsp="http://schemas.microsoft.com/office/drawing/2008/diagram">
+    <mc:Fallback xmlns:dsp="http://schemas.microsoft.com/office/drawing/2008/diagram" xmlns:dgm="http://schemas.openxmlformats.org/drawingml/2006/diagram" xmlns:c="http://schemas.openxmlformats.org/drawingml/2006/chart" xmlns="">
       <p:transition/>
     </mc:Fallback>
   </mc:AlternateContent>
